--- a/ПЕРЕЗАПУСК_DE_АлиевМГ.pptx
+++ b/ПЕРЕЗАПУСК_DE_АлиевМГ.pptx
@@ -11,8 +11,9 @@
     <p:sldId id="261" r:id="rId5"/>
     <p:sldId id="262" r:id="rId6"/>
     <p:sldId id="264" r:id="rId7"/>
-    <p:sldId id="260" r:id="rId8"/>
-    <p:sldId id="263" r:id="rId9"/>
+    <p:sldId id="265" r:id="rId8"/>
+    <p:sldId id="260" r:id="rId9"/>
+    <p:sldId id="263" r:id="rId10"/>
   </p:sldIdLst>
   <p:sldSz cx="12192000" cy="6858000"/>
   <p:notesSz cx="6858000" cy="9144000"/>
@@ -8584,6 +8585,900 @@
     <c:autoUpdate val="0"/>
   </c:externalData>
 </c:chartSpace>
+</file>
+
+<file path=ppt/charts/chart2.xml><?xml version="1.0" encoding="utf-8"?>
+<c:chartSpace xmlns:c="http://schemas.openxmlformats.org/drawingml/2006/chart" xmlns:a="http://schemas.openxmlformats.org/drawingml/2006/main" xmlns:r="http://schemas.openxmlformats.org/officeDocument/2006/relationships" xmlns:c16r2="http://schemas.microsoft.com/office/drawing/2015/06/chart">
+  <c:date1904 val="0"/>
+  <c:lang val="ru-RU"/>
+  <c:roundedCorners val="0"/>
+  <mc:AlternateContent xmlns:mc="http://schemas.openxmlformats.org/markup-compatibility/2006">
+    <mc:Choice xmlns:c14="http://schemas.microsoft.com/office/drawing/2007/8/2/chart" Requires="c14">
+      <c14:style val="102"/>
+    </mc:Choice>
+    <mc:Fallback>
+      <c:style val="2"/>
+    </mc:Fallback>
+  </mc:AlternateContent>
+  <c:chart>
+    <c:autoTitleDeleted val="1"/>
+    <c:plotArea>
+      <c:layout/>
+      <c:barChart>
+        <c:barDir val="bar"/>
+        <c:grouping val="clustered"/>
+        <c:varyColors val="0"/>
+        <c:ser>
+          <c:idx val="0"/>
+          <c:order val="0"/>
+          <c:spPr>
+            <a:solidFill>
+              <a:schemeClr val="accent1"/>
+            </a:solidFill>
+            <a:ln>
+              <a:noFill/>
+            </a:ln>
+            <a:effectLst/>
+          </c:spPr>
+          <c:invertIfNegative val="0"/>
+          <c:dLbls>
+            <c:spPr>
+              <a:noFill/>
+              <a:ln>
+                <a:noFill/>
+              </a:ln>
+              <a:effectLst/>
+            </c:spPr>
+            <c:txPr>
+              <a:bodyPr rot="0" spcFirstLastPara="1" vertOverflow="ellipsis" vert="horz" wrap="square" lIns="38100" tIns="19050" rIns="38100" bIns="19050" anchor="ctr" anchorCtr="1">
+                <a:spAutoFit/>
+              </a:bodyPr>
+              <a:lstStyle/>
+              <a:p>
+                <a:pPr>
+                  <a:defRPr sz="900" b="0" i="0" u="none" strike="noStrike" kern="1200" baseline="0">
+                    <a:solidFill>
+                      <a:schemeClr val="accent2"/>
+                    </a:solidFill>
+                    <a:latin typeface="+mn-lt"/>
+                    <a:ea typeface="+mn-ea"/>
+                    <a:cs typeface="+mn-cs"/>
+                  </a:defRPr>
+                </a:pPr>
+                <a:endParaRPr lang="ru-RU"/>
+              </a:p>
+            </c:txPr>
+            <c:dLblPos val="outEnd"/>
+            <c:showLegendKey val="0"/>
+            <c:showVal val="1"/>
+            <c:showCatName val="0"/>
+            <c:showSerName val="0"/>
+            <c:showPercent val="0"/>
+            <c:showBubbleSize val="0"/>
+            <c:showLeaderLines val="0"/>
+            <c:extLst>
+              <c:ext xmlns:c15="http://schemas.microsoft.com/office/drawing/2012/chart" uri="{CE6537A1-D6FC-4f65-9D91-7224C49458BB}">
+                <c15:layout/>
+                <c15:showLeaderLines val="1"/>
+                <c15:leaderLines>
+                  <c:spPr>
+                    <a:ln w="9525" cap="flat" cmpd="sng" algn="ctr">
+                      <a:solidFill>
+                        <a:schemeClr val="tx1">
+                          <a:lumMod val="35000"/>
+                          <a:lumOff val="65000"/>
+                        </a:schemeClr>
+                      </a:solidFill>
+                      <a:round/>
+                    </a:ln>
+                    <a:effectLst/>
+                  </c:spPr>
+                </c15:leaderLines>
+              </c:ext>
+            </c:extLst>
+          </c:dLbls>
+          <c:cat>
+            <c:strRef>
+              <c:extLst>
+                <c:ext xmlns:c15="http://schemas.microsoft.com/office/drawing/2012/chart" uri="{02D57815-91ED-43cb-92C2-25804820EDAC}">
+                  <c15:fullRef>
+                    <c15:sqref>'Export Worksheet'!$B$2:$C$13</c15:sqref>
+                  </c15:fullRef>
+                  <c15:levelRef>
+                    <c15:sqref>'Export Worksheet'!$B$2:$B$13</c15:sqref>
+                  </c15:levelRef>
+                </c:ext>
+              </c:extLst>
+              <c:f>'Export Worksheet'!$B$2:$B$13</c:f>
+              <c:strCache>
+                <c:ptCount val="12"/>
+                <c:pt idx="0">
+                  <c:v>01.01.2021</c:v>
+                </c:pt>
+                <c:pt idx="1">
+                  <c:v>01.01.2020</c:v>
+                </c:pt>
+                <c:pt idx="2">
+                  <c:v>01.01.2019</c:v>
+                </c:pt>
+                <c:pt idx="3">
+                  <c:v>01.01.2018</c:v>
+                </c:pt>
+                <c:pt idx="4">
+                  <c:v>01.01.2017</c:v>
+                </c:pt>
+                <c:pt idx="5">
+                  <c:v>01.01.2016</c:v>
+                </c:pt>
+                <c:pt idx="6">
+                  <c:v>01.01.2015</c:v>
+                </c:pt>
+                <c:pt idx="7">
+                  <c:v>01.01.2014</c:v>
+                </c:pt>
+                <c:pt idx="8">
+                  <c:v>01.01.2013</c:v>
+                </c:pt>
+                <c:pt idx="9">
+                  <c:v>01.01.2012</c:v>
+                </c:pt>
+                <c:pt idx="10">
+                  <c:v>01.01.2011</c:v>
+                </c:pt>
+                <c:pt idx="11">
+                  <c:v>01.01.2010</c:v>
+                </c:pt>
+              </c:strCache>
+            </c:strRef>
+          </c:cat>
+          <c:val>
+            <c:numRef>
+              <c:f>'Export Worksheet'!$D$2:$D$13</c:f>
+              <c:numCache>
+                <c:formatCode>General</c:formatCode>
+                <c:ptCount val="12"/>
+                <c:pt idx="0">
+                  <c:v>1.1236159999999999</c:v>
+                </c:pt>
+                <c:pt idx="1">
+                  <c:v>1.0944879999999999</c:v>
+                </c:pt>
+                <c:pt idx="2">
+                  <c:v>1.3435779999999999</c:v>
+                </c:pt>
+                <c:pt idx="3">
+                  <c:v>1.142099</c:v>
+                </c:pt>
+                <c:pt idx="4">
+                  <c:v>0.97357400000000005</c:v>
+                </c:pt>
+                <c:pt idx="5">
+                  <c:v>1.260073</c:v>
+                </c:pt>
+                <c:pt idx="6">
+                  <c:v>1.17153</c:v>
+                </c:pt>
+                <c:pt idx="7">
+                  <c:v>0.88140799999999997</c:v>
+                </c:pt>
+                <c:pt idx="8">
+                  <c:v>0.99873199999999995</c:v>
+                </c:pt>
+                <c:pt idx="9">
+                  <c:v>1.0205820000000001</c:v>
+                </c:pt>
+                <c:pt idx="10">
+                  <c:v>0.80625899999999995</c:v>
+                </c:pt>
+                <c:pt idx="11">
+                  <c:v>1.151762</c:v>
+                </c:pt>
+              </c:numCache>
+            </c:numRef>
+          </c:val>
+          <c:extLst>
+            <c:ext xmlns:c16="http://schemas.microsoft.com/office/drawing/2014/chart" uri="{C3380CC4-5D6E-409C-BE32-E72D297353CC}">
+              <c16:uniqueId val="{00000000-649D-436F-9BE8-8F96BCD628EB}"/>
+            </c:ext>
+          </c:extLst>
+        </c:ser>
+        <c:dLbls>
+          <c:showLegendKey val="0"/>
+          <c:showVal val="0"/>
+          <c:showCatName val="0"/>
+          <c:showSerName val="0"/>
+          <c:showPercent val="0"/>
+          <c:showBubbleSize val="0"/>
+        </c:dLbls>
+        <c:gapWidth val="182"/>
+        <c:axId val="330504424"/>
+        <c:axId val="330505080"/>
+      </c:barChart>
+      <c:catAx>
+        <c:axId val="330504424"/>
+        <c:scaling>
+          <c:orientation val="minMax"/>
+        </c:scaling>
+        <c:delete val="0"/>
+        <c:axPos val="l"/>
+        <c:numFmt formatCode="General" sourceLinked="1"/>
+        <c:majorTickMark val="none"/>
+        <c:minorTickMark val="none"/>
+        <c:tickLblPos val="nextTo"/>
+        <c:spPr>
+          <a:noFill/>
+          <a:ln w="9525" cap="flat" cmpd="sng" algn="ctr">
+            <a:solidFill>
+              <a:schemeClr val="tx1">
+                <a:lumMod val="15000"/>
+                <a:lumOff val="85000"/>
+              </a:schemeClr>
+            </a:solidFill>
+            <a:round/>
+          </a:ln>
+          <a:effectLst/>
+        </c:spPr>
+        <c:txPr>
+          <a:bodyPr rot="-60000000" spcFirstLastPara="1" vertOverflow="ellipsis" vert="horz" wrap="square" anchor="ctr" anchorCtr="1"/>
+          <a:lstStyle/>
+          <a:p>
+            <a:pPr>
+              <a:defRPr sz="900" b="0" i="0" u="none" strike="noStrike" kern="1200" baseline="0">
+                <a:solidFill>
+                  <a:schemeClr val="tx1">
+                    <a:lumMod val="65000"/>
+                    <a:lumOff val="35000"/>
+                  </a:schemeClr>
+                </a:solidFill>
+                <a:latin typeface="+mn-lt"/>
+                <a:ea typeface="+mn-ea"/>
+                <a:cs typeface="+mn-cs"/>
+              </a:defRPr>
+            </a:pPr>
+            <a:endParaRPr lang="ru-RU"/>
+          </a:p>
+        </c:txPr>
+        <c:crossAx val="330505080"/>
+        <c:crosses val="autoZero"/>
+        <c:auto val="1"/>
+        <c:lblAlgn val="ctr"/>
+        <c:lblOffset val="100"/>
+        <c:noMultiLvlLbl val="0"/>
+      </c:catAx>
+      <c:valAx>
+        <c:axId val="330505080"/>
+        <c:scaling>
+          <c:orientation val="minMax"/>
+        </c:scaling>
+        <c:delete val="0"/>
+        <c:axPos val="b"/>
+        <c:majorGridlines>
+          <c:spPr>
+            <a:ln w="9525" cap="flat" cmpd="sng" algn="ctr">
+              <a:solidFill>
+                <a:schemeClr val="tx1">
+                  <a:lumMod val="15000"/>
+                  <a:lumOff val="85000"/>
+                </a:schemeClr>
+              </a:solidFill>
+              <a:round/>
+            </a:ln>
+            <a:effectLst/>
+          </c:spPr>
+        </c:majorGridlines>
+        <c:numFmt formatCode="General" sourceLinked="1"/>
+        <c:majorTickMark val="none"/>
+        <c:minorTickMark val="none"/>
+        <c:tickLblPos val="nextTo"/>
+        <c:spPr>
+          <a:noFill/>
+          <a:ln>
+            <a:noFill/>
+          </a:ln>
+          <a:effectLst/>
+        </c:spPr>
+        <c:txPr>
+          <a:bodyPr rot="-60000000" spcFirstLastPara="1" vertOverflow="ellipsis" vert="horz" wrap="square" anchor="ctr" anchorCtr="1"/>
+          <a:lstStyle/>
+          <a:p>
+            <a:pPr>
+              <a:defRPr sz="900" b="0" i="0" u="none" strike="noStrike" kern="1200" baseline="0">
+                <a:solidFill>
+                  <a:schemeClr val="tx1">
+                    <a:lumMod val="65000"/>
+                    <a:lumOff val="35000"/>
+                  </a:schemeClr>
+                </a:solidFill>
+                <a:latin typeface="+mn-lt"/>
+                <a:ea typeface="+mn-ea"/>
+                <a:cs typeface="+mn-cs"/>
+              </a:defRPr>
+            </a:pPr>
+            <a:endParaRPr lang="ru-RU"/>
+          </a:p>
+        </c:txPr>
+        <c:crossAx val="330504424"/>
+        <c:crosses val="autoZero"/>
+        <c:crossBetween val="between"/>
+      </c:valAx>
+      <c:spPr>
+        <a:noFill/>
+        <a:ln>
+          <a:noFill/>
+        </a:ln>
+        <a:effectLst/>
+      </c:spPr>
+    </c:plotArea>
+    <c:plotVisOnly val="1"/>
+    <c:dispBlanksAs val="gap"/>
+    <c:showDLblsOverMax val="0"/>
+  </c:chart>
+  <c:spPr>
+    <a:noFill/>
+    <a:ln>
+      <a:noFill/>
+    </a:ln>
+    <a:effectLst/>
+  </c:spPr>
+  <c:txPr>
+    <a:bodyPr/>
+    <a:lstStyle/>
+    <a:p>
+      <a:pPr>
+        <a:defRPr/>
+      </a:pPr>
+      <a:endParaRPr lang="ru-RU"/>
+    </a:p>
+  </c:txPr>
+  <c:externalData r:id="rId3">
+    <c:autoUpdate val="0"/>
+  </c:externalData>
+</c:chartSpace>
+</file>
+
+<file path=ppt/charts/colors1.xml><?xml version="1.0" encoding="utf-8"?>
+<cs:colorStyle xmlns:cs="http://schemas.microsoft.com/office/drawing/2012/chartStyle" xmlns:a="http://schemas.openxmlformats.org/drawingml/2006/main" meth="cycle" id="10">
+  <a:schemeClr val="accent1"/>
+  <a:schemeClr val="accent2"/>
+  <a:schemeClr val="accent3"/>
+  <a:schemeClr val="accent4"/>
+  <a:schemeClr val="accent5"/>
+  <a:schemeClr val="accent6"/>
+  <cs:variation/>
+  <cs:variation>
+    <a:lumMod val="60000"/>
+  </cs:variation>
+  <cs:variation>
+    <a:lumMod val="80000"/>
+    <a:lumOff val="20000"/>
+  </cs:variation>
+  <cs:variation>
+    <a:lumMod val="80000"/>
+  </cs:variation>
+  <cs:variation>
+    <a:lumMod val="60000"/>
+    <a:lumOff val="40000"/>
+  </cs:variation>
+  <cs:variation>
+    <a:lumMod val="50000"/>
+  </cs:variation>
+  <cs:variation>
+    <a:lumMod val="70000"/>
+    <a:lumOff val="30000"/>
+  </cs:variation>
+  <cs:variation>
+    <a:lumMod val="70000"/>
+  </cs:variation>
+  <cs:variation>
+    <a:lumMod val="50000"/>
+    <a:lumOff val="50000"/>
+  </cs:variation>
+</cs:colorStyle>
+</file>
+
+<file path=ppt/charts/style1.xml><?xml version="1.0" encoding="utf-8"?>
+<cs:chartStyle xmlns:cs="http://schemas.microsoft.com/office/drawing/2012/chartStyle" xmlns:a="http://schemas.openxmlformats.org/drawingml/2006/main" id="216">
+  <cs:axisTitle>
+    <cs:lnRef idx="0"/>
+    <cs:fillRef idx="0"/>
+    <cs:effectRef idx="0"/>
+    <cs:fontRef idx="minor">
+      <a:schemeClr val="tx1">
+        <a:lumMod val="65000"/>
+        <a:lumOff val="35000"/>
+      </a:schemeClr>
+    </cs:fontRef>
+    <cs:defRPr sz="1000" kern="1200"/>
+  </cs:axisTitle>
+  <cs:categoryAxis>
+    <cs:lnRef idx="0"/>
+    <cs:fillRef idx="0"/>
+    <cs:effectRef idx="0"/>
+    <cs:fontRef idx="minor">
+      <a:schemeClr val="tx1">
+        <a:lumMod val="65000"/>
+        <a:lumOff val="35000"/>
+      </a:schemeClr>
+    </cs:fontRef>
+    <cs:spPr>
+      <a:ln w="9525" cap="flat" cmpd="sng" algn="ctr">
+        <a:solidFill>
+          <a:schemeClr val="tx1">
+            <a:lumMod val="15000"/>
+            <a:lumOff val="85000"/>
+          </a:schemeClr>
+        </a:solidFill>
+        <a:round/>
+      </a:ln>
+    </cs:spPr>
+    <cs:defRPr sz="900" kern="1200"/>
+  </cs:categoryAxis>
+  <cs:chartArea mods="allowNoFillOverride allowNoLineOverride">
+    <cs:lnRef idx="0"/>
+    <cs:fillRef idx="0"/>
+    <cs:effectRef idx="0"/>
+    <cs:fontRef idx="minor">
+      <a:schemeClr val="tx1"/>
+    </cs:fontRef>
+    <cs:spPr>
+      <a:solidFill>
+        <a:schemeClr val="bg1"/>
+      </a:solidFill>
+      <a:ln w="9525" cap="flat" cmpd="sng" algn="ctr">
+        <a:solidFill>
+          <a:schemeClr val="tx1">
+            <a:lumMod val="15000"/>
+            <a:lumOff val="85000"/>
+          </a:schemeClr>
+        </a:solidFill>
+        <a:round/>
+      </a:ln>
+    </cs:spPr>
+    <cs:defRPr sz="1000" kern="1200"/>
+  </cs:chartArea>
+  <cs:dataLabel>
+    <cs:lnRef idx="0"/>
+    <cs:fillRef idx="0"/>
+    <cs:effectRef idx="0"/>
+    <cs:fontRef idx="minor">
+      <a:schemeClr val="tx1">
+        <a:lumMod val="75000"/>
+        <a:lumOff val="25000"/>
+      </a:schemeClr>
+    </cs:fontRef>
+    <cs:defRPr sz="900" kern="1200"/>
+  </cs:dataLabel>
+  <cs:dataLabelCallout>
+    <cs:lnRef idx="0"/>
+    <cs:fillRef idx="0"/>
+    <cs:effectRef idx="0"/>
+    <cs:fontRef idx="minor">
+      <a:schemeClr val="dk1">
+        <a:lumMod val="65000"/>
+        <a:lumOff val="35000"/>
+      </a:schemeClr>
+    </cs:fontRef>
+    <cs:spPr>
+      <a:solidFill>
+        <a:schemeClr val="lt1"/>
+      </a:solidFill>
+      <a:ln>
+        <a:solidFill>
+          <a:schemeClr val="dk1">
+            <a:lumMod val="25000"/>
+            <a:lumOff val="75000"/>
+          </a:schemeClr>
+        </a:solidFill>
+      </a:ln>
+    </cs:spPr>
+    <cs:defRPr sz="900" kern="1200"/>
+    <cs:bodyPr rot="0" spcFirstLastPara="1" vertOverflow="clip" horzOverflow="clip" vert="horz" wrap="square" lIns="36576" tIns="18288" rIns="36576" bIns="18288" anchor="ctr" anchorCtr="1">
+      <a:spAutoFit/>
+    </cs:bodyPr>
+  </cs:dataLabelCallout>
+  <cs:dataPoint>
+    <cs:lnRef idx="0"/>
+    <cs:fillRef idx="1">
+      <cs:styleClr val="auto"/>
+    </cs:fillRef>
+    <cs:effectRef idx="0"/>
+    <cs:fontRef idx="minor">
+      <a:schemeClr val="tx1"/>
+    </cs:fontRef>
+  </cs:dataPoint>
+  <cs:dataPoint3D>
+    <cs:lnRef idx="0"/>
+    <cs:fillRef idx="1">
+      <cs:styleClr val="auto"/>
+    </cs:fillRef>
+    <cs:effectRef idx="0"/>
+    <cs:fontRef idx="minor">
+      <a:schemeClr val="tx1"/>
+    </cs:fontRef>
+  </cs:dataPoint3D>
+  <cs:dataPointLine>
+    <cs:lnRef idx="0">
+      <cs:styleClr val="auto"/>
+    </cs:lnRef>
+    <cs:fillRef idx="1"/>
+    <cs:effectRef idx="0"/>
+    <cs:fontRef idx="minor">
+      <a:schemeClr val="tx1"/>
+    </cs:fontRef>
+    <cs:spPr>
+      <a:ln w="28575" cap="rnd">
+        <a:solidFill>
+          <a:schemeClr val="phClr"/>
+        </a:solidFill>
+        <a:round/>
+      </a:ln>
+    </cs:spPr>
+  </cs:dataPointLine>
+  <cs:dataPointMarker>
+    <cs:lnRef idx="0">
+      <cs:styleClr val="auto"/>
+    </cs:lnRef>
+    <cs:fillRef idx="1">
+      <cs:styleClr val="auto"/>
+    </cs:fillRef>
+    <cs:effectRef idx="0"/>
+    <cs:fontRef idx="minor">
+      <a:schemeClr val="tx1"/>
+    </cs:fontRef>
+    <cs:spPr>
+      <a:ln w="9525">
+        <a:solidFill>
+          <a:schemeClr val="phClr"/>
+        </a:solidFill>
+      </a:ln>
+    </cs:spPr>
+  </cs:dataPointMarker>
+  <cs:dataPointMarkerLayout symbol="circle" size="5"/>
+  <cs:dataPointWireframe>
+    <cs:lnRef idx="0">
+      <cs:styleClr val="auto"/>
+    </cs:lnRef>
+    <cs:fillRef idx="1"/>
+    <cs:effectRef idx="0"/>
+    <cs:fontRef idx="minor">
+      <a:schemeClr val="tx1"/>
+    </cs:fontRef>
+    <cs:spPr>
+      <a:ln w="9525" cap="rnd">
+        <a:solidFill>
+          <a:schemeClr val="phClr"/>
+        </a:solidFill>
+        <a:round/>
+      </a:ln>
+    </cs:spPr>
+  </cs:dataPointWireframe>
+  <cs:dataTable>
+    <cs:lnRef idx="0"/>
+    <cs:fillRef idx="0"/>
+    <cs:effectRef idx="0"/>
+    <cs:fontRef idx="minor">
+      <a:schemeClr val="tx1">
+        <a:lumMod val="65000"/>
+        <a:lumOff val="35000"/>
+      </a:schemeClr>
+    </cs:fontRef>
+    <cs:spPr>
+      <a:noFill/>
+      <a:ln w="9525" cap="flat" cmpd="sng" algn="ctr">
+        <a:solidFill>
+          <a:schemeClr val="tx1">
+            <a:lumMod val="15000"/>
+            <a:lumOff val="85000"/>
+          </a:schemeClr>
+        </a:solidFill>
+        <a:round/>
+      </a:ln>
+    </cs:spPr>
+    <cs:defRPr sz="900" kern="1200"/>
+  </cs:dataTable>
+  <cs:downBar>
+    <cs:lnRef idx="0"/>
+    <cs:fillRef idx="0"/>
+    <cs:effectRef idx="0"/>
+    <cs:fontRef idx="minor">
+      <a:schemeClr val="tx1"/>
+    </cs:fontRef>
+    <cs:spPr>
+      <a:solidFill>
+        <a:schemeClr val="dk1">
+          <a:lumMod val="75000"/>
+          <a:lumOff val="25000"/>
+        </a:schemeClr>
+      </a:solidFill>
+      <a:ln w="9525" cap="flat" cmpd="sng" algn="ctr">
+        <a:solidFill>
+          <a:schemeClr val="tx1">
+            <a:lumMod val="65000"/>
+            <a:lumOff val="35000"/>
+          </a:schemeClr>
+        </a:solidFill>
+        <a:round/>
+      </a:ln>
+    </cs:spPr>
+  </cs:downBar>
+  <cs:dropLine>
+    <cs:lnRef idx="0"/>
+    <cs:fillRef idx="0"/>
+    <cs:effectRef idx="0"/>
+    <cs:fontRef idx="minor">
+      <a:schemeClr val="tx1"/>
+    </cs:fontRef>
+    <cs:spPr>
+      <a:ln w="9525" cap="flat" cmpd="sng" algn="ctr">
+        <a:solidFill>
+          <a:schemeClr val="tx1">
+            <a:lumMod val="35000"/>
+            <a:lumOff val="65000"/>
+          </a:schemeClr>
+        </a:solidFill>
+        <a:round/>
+      </a:ln>
+    </cs:spPr>
+  </cs:dropLine>
+  <cs:errorBar>
+    <cs:lnRef idx="0"/>
+    <cs:fillRef idx="0"/>
+    <cs:effectRef idx="0"/>
+    <cs:fontRef idx="minor">
+      <a:schemeClr val="tx1"/>
+    </cs:fontRef>
+    <cs:spPr>
+      <a:ln w="9525" cap="flat" cmpd="sng" algn="ctr">
+        <a:solidFill>
+          <a:schemeClr val="tx1">
+            <a:lumMod val="65000"/>
+            <a:lumOff val="35000"/>
+          </a:schemeClr>
+        </a:solidFill>
+        <a:round/>
+      </a:ln>
+    </cs:spPr>
+  </cs:errorBar>
+  <cs:floor>
+    <cs:lnRef idx="0"/>
+    <cs:fillRef idx="0"/>
+    <cs:effectRef idx="0"/>
+    <cs:fontRef idx="minor">
+      <a:schemeClr val="tx1"/>
+    </cs:fontRef>
+    <cs:spPr>
+      <a:noFill/>
+      <a:ln>
+        <a:noFill/>
+      </a:ln>
+    </cs:spPr>
+  </cs:floor>
+  <cs:gridlineMajor>
+    <cs:lnRef idx="0"/>
+    <cs:fillRef idx="0"/>
+    <cs:effectRef idx="0"/>
+    <cs:fontRef idx="minor">
+      <a:schemeClr val="tx1"/>
+    </cs:fontRef>
+    <cs:spPr>
+      <a:ln w="9525" cap="flat" cmpd="sng" algn="ctr">
+        <a:solidFill>
+          <a:schemeClr val="tx1">
+            <a:lumMod val="15000"/>
+            <a:lumOff val="85000"/>
+          </a:schemeClr>
+        </a:solidFill>
+        <a:round/>
+      </a:ln>
+    </cs:spPr>
+  </cs:gridlineMajor>
+  <cs:gridlineMinor>
+    <cs:lnRef idx="0"/>
+    <cs:fillRef idx="0"/>
+    <cs:effectRef idx="0"/>
+    <cs:fontRef idx="minor">
+      <a:schemeClr val="tx1"/>
+    </cs:fontRef>
+    <cs:spPr>
+      <a:ln w="9525" cap="flat" cmpd="sng" algn="ctr">
+        <a:solidFill>
+          <a:schemeClr val="tx1">
+            <a:lumMod val="5000"/>
+            <a:lumOff val="95000"/>
+          </a:schemeClr>
+        </a:solidFill>
+        <a:round/>
+      </a:ln>
+    </cs:spPr>
+  </cs:gridlineMinor>
+  <cs:hiLoLine>
+    <cs:lnRef idx="0"/>
+    <cs:fillRef idx="0"/>
+    <cs:effectRef idx="0"/>
+    <cs:fontRef idx="minor">
+      <a:schemeClr val="tx1"/>
+    </cs:fontRef>
+    <cs:spPr>
+      <a:ln w="9525" cap="flat" cmpd="sng" algn="ctr">
+        <a:solidFill>
+          <a:schemeClr val="tx1">
+            <a:lumMod val="50000"/>
+            <a:lumOff val="50000"/>
+          </a:schemeClr>
+        </a:solidFill>
+        <a:round/>
+      </a:ln>
+    </cs:spPr>
+  </cs:hiLoLine>
+  <cs:leaderLine>
+    <cs:lnRef idx="0"/>
+    <cs:fillRef idx="0"/>
+    <cs:effectRef idx="0"/>
+    <cs:fontRef idx="minor">
+      <a:schemeClr val="tx1"/>
+    </cs:fontRef>
+    <cs:spPr>
+      <a:ln w="9525" cap="flat" cmpd="sng" algn="ctr">
+        <a:solidFill>
+          <a:schemeClr val="tx1">
+            <a:lumMod val="35000"/>
+            <a:lumOff val="65000"/>
+          </a:schemeClr>
+        </a:solidFill>
+        <a:round/>
+      </a:ln>
+    </cs:spPr>
+  </cs:leaderLine>
+  <cs:legend>
+    <cs:lnRef idx="0"/>
+    <cs:fillRef idx="0"/>
+    <cs:effectRef idx="0"/>
+    <cs:fontRef idx="minor">
+      <a:schemeClr val="tx1">
+        <a:lumMod val="65000"/>
+        <a:lumOff val="35000"/>
+      </a:schemeClr>
+    </cs:fontRef>
+    <cs:defRPr sz="900" kern="1200"/>
+  </cs:legend>
+  <cs:plotArea mods="allowNoFillOverride allowNoLineOverride">
+    <cs:lnRef idx="0"/>
+    <cs:fillRef idx="0"/>
+    <cs:effectRef idx="0"/>
+    <cs:fontRef idx="minor">
+      <a:schemeClr val="tx1"/>
+    </cs:fontRef>
+  </cs:plotArea>
+  <cs:plotArea3D mods="allowNoFillOverride allowNoLineOverride">
+    <cs:lnRef idx="0"/>
+    <cs:fillRef idx="0"/>
+    <cs:effectRef idx="0"/>
+    <cs:fontRef idx="minor">
+      <a:schemeClr val="tx1"/>
+    </cs:fontRef>
+  </cs:plotArea3D>
+  <cs:seriesAxis>
+    <cs:lnRef idx="0"/>
+    <cs:fillRef idx="0"/>
+    <cs:effectRef idx="0"/>
+    <cs:fontRef idx="minor">
+      <a:schemeClr val="tx1">
+        <a:lumMod val="65000"/>
+        <a:lumOff val="35000"/>
+      </a:schemeClr>
+    </cs:fontRef>
+    <cs:defRPr sz="900" kern="1200"/>
+  </cs:seriesAxis>
+  <cs:seriesLine>
+    <cs:lnRef idx="0"/>
+    <cs:fillRef idx="0"/>
+    <cs:effectRef idx="0"/>
+    <cs:fontRef idx="minor">
+      <a:schemeClr val="tx1"/>
+    </cs:fontRef>
+    <cs:spPr>
+      <a:ln w="9525" cap="flat" cmpd="sng" algn="ctr">
+        <a:solidFill>
+          <a:schemeClr val="tx1">
+            <a:lumMod val="35000"/>
+            <a:lumOff val="65000"/>
+          </a:schemeClr>
+        </a:solidFill>
+        <a:round/>
+      </a:ln>
+    </cs:spPr>
+  </cs:seriesLine>
+  <cs:title>
+    <cs:lnRef idx="0"/>
+    <cs:fillRef idx="0"/>
+    <cs:effectRef idx="0"/>
+    <cs:fontRef idx="minor">
+      <a:schemeClr val="tx1">
+        <a:lumMod val="65000"/>
+        <a:lumOff val="35000"/>
+      </a:schemeClr>
+    </cs:fontRef>
+    <cs:defRPr sz="1400" b="0" kern="1200" spc="0" baseline="0"/>
+  </cs:title>
+  <cs:trendline>
+    <cs:lnRef idx="0">
+      <cs:styleClr val="auto"/>
+    </cs:lnRef>
+    <cs:fillRef idx="0"/>
+    <cs:effectRef idx="0"/>
+    <cs:fontRef idx="minor">
+      <a:schemeClr val="tx1"/>
+    </cs:fontRef>
+    <cs:spPr>
+      <a:ln w="19050" cap="rnd">
+        <a:solidFill>
+          <a:schemeClr val="phClr"/>
+        </a:solidFill>
+        <a:prstDash val="sysDot"/>
+      </a:ln>
+    </cs:spPr>
+  </cs:trendline>
+  <cs:trendlineLabel>
+    <cs:lnRef idx="0"/>
+    <cs:fillRef idx="0"/>
+    <cs:effectRef idx="0"/>
+    <cs:fontRef idx="minor">
+      <a:schemeClr val="tx1">
+        <a:lumMod val="65000"/>
+        <a:lumOff val="35000"/>
+      </a:schemeClr>
+    </cs:fontRef>
+    <cs:defRPr sz="900" kern="1200"/>
+  </cs:trendlineLabel>
+  <cs:upBar>
+    <cs:lnRef idx="0"/>
+    <cs:fillRef idx="0"/>
+    <cs:effectRef idx="0"/>
+    <cs:fontRef idx="minor">
+      <a:schemeClr val="tx1"/>
+    </cs:fontRef>
+    <cs:spPr>
+      <a:solidFill>
+        <a:schemeClr val="lt1"/>
+      </a:solidFill>
+      <a:ln w="9525" cap="flat" cmpd="sng" algn="ctr">
+        <a:solidFill>
+          <a:schemeClr val="tx1">
+            <a:lumMod val="65000"/>
+            <a:lumOff val="35000"/>
+          </a:schemeClr>
+        </a:solidFill>
+        <a:round/>
+      </a:ln>
+    </cs:spPr>
+  </cs:upBar>
+  <cs:valueAxis>
+    <cs:lnRef idx="0"/>
+    <cs:fillRef idx="0"/>
+    <cs:effectRef idx="0"/>
+    <cs:fontRef idx="minor">
+      <a:schemeClr val="tx1">
+        <a:lumMod val="65000"/>
+        <a:lumOff val="35000"/>
+      </a:schemeClr>
+    </cs:fontRef>
+    <cs:defRPr sz="900" kern="1200"/>
+  </cs:valueAxis>
+  <cs:wall>
+    <cs:lnRef idx="0"/>
+    <cs:fillRef idx="0"/>
+    <cs:effectRef idx="0"/>
+    <cs:fontRef idx="minor">
+      <a:schemeClr val="tx1"/>
+    </cs:fontRef>
+    <cs:spPr>
+      <a:noFill/>
+      <a:ln>
+        <a:noFill/>
+      </a:ln>
+    </cs:spPr>
+  </cs:wall>
+</cs:chartStyle>
 </file>
 
 <file path=ppt/comments/comment1.xml><?xml version="1.0" encoding="utf-8"?>
@@ -9749,8 +10644,8 @@
     <dgm:cxn modelId="{59B6E74D-2CF3-4EB3-82D0-61AE7A983454}" srcId="{691BA600-E557-471E-A96C-C7C5EAEB9935}" destId="{22DAF3B4-A017-458E-8E55-CF428B72FBA8}" srcOrd="0" destOrd="0" parTransId="{D23AF1FD-A7E8-47EB-A01D-2D0AE141D0FE}" sibTransId="{E0495DFD-B824-450E-84C5-0E2090AE85E1}"/>
     <dgm:cxn modelId="{E37CC4B6-7A18-4F04-A284-4DAD46CB260C}" type="presOf" srcId="{22DAF3B4-A017-458E-8E55-CF428B72FBA8}" destId="{F00118C5-F7CA-46A9-8602-CDAB2F74BCA1}" srcOrd="1" destOrd="0" presId="urn:microsoft.com/office/officeart/2009/3/layout/HorizontalOrganizationChart"/>
     <dgm:cxn modelId="{F6CAFC5D-2B50-46DC-B7E2-5E498D1A4694}" srcId="{102B66F7-87F0-436E-89D4-C3025EC4EF90}" destId="{18F075FF-957F-4DEE-9D17-519C04655513}" srcOrd="1" destOrd="0" parTransId="{6D9B0B84-E575-4FA9-B9EA-E2871A1283BA}" sibTransId="{DE14A73E-A375-442E-B607-AC82288FD979}"/>
+    <dgm:cxn modelId="{AB8CB64A-A72E-4494-920A-5A2DD48E3778}" type="presOf" srcId="{691BA600-E557-471E-A96C-C7C5EAEB9935}" destId="{2CE4FD8A-E3FB-4EDD-B091-A3C5AF21C609}" srcOrd="1" destOrd="0" presId="urn:microsoft.com/office/officeart/2009/3/layout/HorizontalOrganizationChart"/>
     <dgm:cxn modelId="{E3D3DDBB-8226-4D8B-988A-2E7556B082BE}" type="presOf" srcId="{18F075FF-957F-4DEE-9D17-519C04655513}" destId="{F9F8D77D-0944-44CA-8FE0-35FD32EBAD81}" srcOrd="1" destOrd="0" presId="urn:microsoft.com/office/officeart/2009/3/layout/HorizontalOrganizationChart"/>
-    <dgm:cxn modelId="{AB8CB64A-A72E-4494-920A-5A2DD48E3778}" type="presOf" srcId="{691BA600-E557-471E-A96C-C7C5EAEB9935}" destId="{2CE4FD8A-E3FB-4EDD-B091-A3C5AF21C609}" srcOrd="1" destOrd="0" presId="urn:microsoft.com/office/officeart/2009/3/layout/HorizontalOrganizationChart"/>
     <dgm:cxn modelId="{2F15E4AE-BD59-497D-AFC3-C4FDAF712159}" type="presOf" srcId="{9F9E4AD8-3D12-4B0E-83A4-7F921D76861E}" destId="{0B0AEFA8-B7B1-4F9E-8973-BE658293D113}" srcOrd="0" destOrd="0" presId="urn:microsoft.com/office/officeart/2009/3/layout/HorizontalOrganizationChart"/>
     <dgm:cxn modelId="{4F6F1DE9-4949-4DA0-B778-F0D53D9210FA}" type="presOf" srcId="{D23AF1FD-A7E8-47EB-A01D-2D0AE141D0FE}" destId="{192772CA-7528-473E-B712-FFD311CF9FB5}" srcOrd="0" destOrd="0" presId="urn:microsoft.com/office/officeart/2009/3/layout/HorizontalOrganizationChart"/>
     <dgm:cxn modelId="{B20AEEAF-BF1A-4567-B56E-1CA37B8738EA}" type="presOf" srcId="{102B66F7-87F0-436E-89D4-C3025EC4EF90}" destId="{766DE912-A71A-4E57-829C-CBFB5C37568A}" srcOrd="0" destOrd="0" presId="urn:microsoft.com/office/officeart/2009/3/layout/HorizontalOrganizationChart"/>
@@ -16117,46 +17012,82 @@
         </p:nvSpPr>
         <p:spPr/>
         <p:txBody>
-          <a:bodyPr/>
+          <a:bodyPr>
+            <a:normAutofit/>
+          </a:bodyPr>
           <a:lstStyle/>
           <a:p>
             <a:r>
-              <a:rPr lang="ru-RU" dirty="0" smtClean="0"/>
+              <a:rPr lang="ru-RU" sz="2200" dirty="0" smtClean="0"/>
               <a:t>Произведено сравнение </a:t>
             </a:r>
             <a:r>
-              <a:rPr lang="ru-RU" dirty="0"/>
+              <a:rPr lang="ru-RU" sz="2200" dirty="0"/>
               <a:t>предложений продажи и аренды квартир в одном доме с одинаковым количеством комнат. </a:t>
             </a:r>
             <a:r>
-              <a:rPr lang="ru-RU" dirty="0" smtClean="0"/>
+              <a:rPr lang="ru-RU" sz="2200" dirty="0" smtClean="0"/>
               <a:t>Сопоставлены объявления </a:t>
             </a:r>
             <a:r>
-              <a:rPr lang="ru-RU" dirty="0"/>
+              <a:rPr lang="ru-RU" sz="2200" dirty="0"/>
               <a:t>о продаже и аренде квартир с одинаковым количеством комнат по одному </a:t>
             </a:r>
             <a:r>
-              <a:rPr lang="ru-RU" dirty="0" smtClean="0"/>
+              <a:rPr lang="ru-RU" sz="2200" dirty="0" smtClean="0"/>
               <a:t>адресу. Получена средняя арендная ставка </a:t>
             </a:r>
             <a:r>
-              <a:rPr lang="ru-RU" dirty="0"/>
+              <a:rPr lang="ru-RU" sz="2200" dirty="0"/>
               <a:t>по рынку для 1,2,3-комнатных квартир (для каждого из видов) в процентах </a:t>
             </a:r>
             <a:r>
-              <a:rPr lang="ru-RU" dirty="0" smtClean="0"/>
-              <a:t>годовых</a:t>
+              <a:rPr lang="ru-RU" sz="2200" dirty="0" smtClean="0"/>
+              <a:t>годовых (слайды 5-6).</a:t>
             </a:r>
-            <a:r>
-              <a:rPr lang="ru-RU" dirty="0"/>
-              <a:t>.</a:t>
-            </a:r>
-            <a:endParaRPr lang="ru-RU" dirty="0" smtClean="0"/>
           </a:p>
           <a:p>
             <a:r>
-              <a:rPr lang="ru-RU" i="1" dirty="0" smtClean="0">
+              <a:rPr lang="ru-RU" sz="2200" dirty="0" smtClean="0"/>
+              <a:t>Есть данные </a:t>
+            </a:r>
+            <a:r>
+              <a:rPr lang="ru-RU" sz="2200" dirty="0"/>
+              <a:t>о ежемесячной инфляции </a:t>
+            </a:r>
+            <a:r>
+              <a:rPr lang="ru-RU" sz="2200" dirty="0" smtClean="0"/>
+              <a:t>и </a:t>
+            </a:r>
+            <a:r>
+              <a:rPr lang="ru-RU" sz="2200" dirty="0"/>
+              <a:t>данные об изменении индекса полной доходности </a:t>
+            </a:r>
+            <a:r>
+              <a:rPr lang="ru-RU" sz="2200" dirty="0" err="1"/>
+              <a:t>Мосбиржи</a:t>
+            </a:r>
+            <a:r>
+              <a:rPr lang="ru-RU" sz="2200" dirty="0"/>
+              <a:t> </a:t>
+            </a:r>
+            <a:r>
+              <a:rPr lang="ru-RU" sz="2200" dirty="0" smtClean="0"/>
+              <a:t>MCFTR. В результате сформированного запроса, получен средний рост вложений </a:t>
+            </a:r>
+            <a:r>
+              <a:rPr lang="ru-RU" sz="2200" dirty="0"/>
+              <a:t>в индекс MCFTR (с учётом инфляции, в современных ценах) за каждый из 12 последних </a:t>
+            </a:r>
+            <a:r>
+              <a:rPr lang="ru-RU" sz="2200" dirty="0" smtClean="0"/>
+              <a:t>лет (слайд 7)</a:t>
+            </a:r>
+            <a:endParaRPr lang="ru-RU" sz="2200" dirty="0" smtClean="0"/>
+          </a:p>
+          <a:p>
+            <a:r>
+              <a:rPr lang="ru-RU" sz="2200" i="1" dirty="0" smtClean="0">
                 <a:solidFill>
                   <a:schemeClr val="tx1">
                     <a:lumMod val="65000"/>
@@ -16167,7 +17098,7 @@
               <a:t>Ссылка для скачивания проекта на </a:t>
             </a:r>
             <a:r>
-              <a:rPr lang="en-US" i="1" dirty="0" smtClean="0">
+              <a:rPr lang="en-US" sz="2200" i="1" dirty="0" smtClean="0">
                 <a:solidFill>
                   <a:schemeClr val="tx1">
                     <a:lumMod val="65000"/>
@@ -16178,7 +17109,7 @@
               <a:t>https</a:t>
             </a:r>
             <a:r>
-              <a:rPr lang="en-US" i="1" dirty="0">
+              <a:rPr lang="en-US" sz="2200" i="1" dirty="0">
                 <a:solidFill>
                   <a:schemeClr val="tx1">
                     <a:lumMod val="65000"/>
@@ -16189,7 +17120,7 @@
               <a:t>://</a:t>
             </a:r>
             <a:r>
-              <a:rPr lang="en-US" i="1" dirty="0" smtClean="0">
+              <a:rPr lang="en-US" sz="2200" i="1" dirty="0" smtClean="0">
                 <a:solidFill>
                   <a:schemeClr val="tx1">
                     <a:lumMod val="65000"/>
@@ -16199,7 +17130,7 @@
               </a:rPr>
               <a:t>github.com/Xlodvig4/DE_2022</a:t>
             </a:r>
-            <a:endParaRPr lang="ru-RU" dirty="0"/>
+            <a:endParaRPr lang="ru-RU" sz="2200" dirty="0"/>
           </a:p>
         </p:txBody>
       </p:sp>
@@ -16715,11 +17646,7 @@
             </a:r>
             <a:r>
               <a:rPr lang="ru-RU" sz="1200" dirty="0"/>
-              <a:t>арендная ставка по рынку для 1,2,3-комнатных квартир (для каждого из видов) в процентах годовых</a:t>
-            </a:r>
-            <a:r>
-              <a:rPr lang="ru-RU" sz="1200" dirty="0"/>
-              <a:t> </a:t>
+              <a:t>арендная ставка по рынку для 1,2,3-комнатных квартир (для каждого из видов) в процентах годовых </a:t>
             </a:r>
           </a:p>
           <a:p>
@@ -16787,7 +17714,11 @@
           <a:p>
             <a:r>
               <a:rPr lang="ru-RU" dirty="0" smtClean="0"/>
-              <a:t>Результаты отчета</a:t>
+              <a:t>Пример средних ставок доходности в %/г.</a:t>
+            </a:r>
+            <a:r>
+              <a:rPr lang="en-US" dirty="0" smtClean="0"/>
+              <a:t>*</a:t>
             </a:r>
             <a:endParaRPr lang="ru-RU" dirty="0"/>
           </a:p>
@@ -21936,6 +22867,44 @@
           </a:graphicData>
         </a:graphic>
       </p:graphicFrame>
+      <p:sp>
+        <p:nvSpPr>
+          <p:cNvPr id="3" name="TextBox 2"/>
+          <p:cNvSpPr txBox="1"/>
+          <p:nvPr/>
+        </p:nvSpPr>
+        <p:spPr>
+          <a:xfrm>
+            <a:off x="1945178" y="6475615"/>
+            <a:ext cx="1864613" cy="307777"/>
+          </a:xfrm>
+          <a:prstGeom prst="rect">
+            <a:avLst/>
+          </a:prstGeom>
+          <a:noFill/>
+        </p:spPr>
+        <p:txBody>
+          <a:bodyPr wrap="none" rtlCol="0">
+            <a:spAutoFit/>
+          </a:bodyPr>
+          <a:lstStyle/>
+          <a:p>
+            <a:r>
+              <a:rPr lang="en-US" sz="1400" dirty="0" smtClean="0"/>
+              <a:t>*</a:t>
+            </a:r>
+            <a:r>
+              <a:rPr lang="ru-RU" sz="1400" dirty="0" smtClean="0"/>
+              <a:t>Файл </a:t>
+            </a:r>
+            <a:r>
+              <a:rPr lang="en-US" sz="1400" dirty="0"/>
+              <a:t>Project_p.1.xlsx</a:t>
+            </a:r>
+            <a:endParaRPr lang="ru-RU" sz="1400" dirty="0"/>
+          </a:p>
+        </p:txBody>
+      </p:sp>
     </p:spTree>
     <p:extLst>
       <p:ext uri="{BB962C8B-B14F-4D97-AF65-F5344CB8AC3E}">
@@ -21957,6 +22926,1184 @@
 </file>
 
 <file path=ppt/slides/slide7.xml><?xml version="1.0" encoding="utf-8"?>
+<p:sld xmlns:a="http://schemas.openxmlformats.org/drawingml/2006/main" xmlns:r="http://schemas.openxmlformats.org/officeDocument/2006/relationships" xmlns:p="http://schemas.openxmlformats.org/presentationml/2006/main">
+  <p:cSld>
+    <p:spTree>
+      <p:nvGrpSpPr>
+        <p:cNvPr id="1" name=""/>
+        <p:cNvGrpSpPr/>
+        <p:nvPr/>
+      </p:nvGrpSpPr>
+      <p:grpSpPr>
+        <a:xfrm>
+          <a:off x="0" y="0"/>
+          <a:ext cx="0" cy="0"/>
+          <a:chOff x="0" y="0"/>
+          <a:chExt cx="0" cy="0"/>
+        </a:xfrm>
+      </p:grpSpPr>
+      <p:sp>
+        <p:nvSpPr>
+          <p:cNvPr id="2" name="Заголовок 1"/>
+          <p:cNvSpPr>
+            <a:spLocks noGrp="1"/>
+          </p:cNvSpPr>
+          <p:nvPr>
+            <p:ph type="title"/>
+          </p:nvPr>
+        </p:nvSpPr>
+        <p:spPr/>
+        <p:txBody>
+          <a:bodyPr/>
+          <a:lstStyle/>
+          <a:p>
+            <a:r>
+              <a:rPr lang="ru-RU" dirty="0"/>
+              <a:t>Д</a:t>
+            </a:r>
+            <a:r>
+              <a:rPr lang="ru-RU" dirty="0" smtClean="0"/>
+              <a:t>оходность </a:t>
+            </a:r>
+            <a:r>
+              <a:rPr lang="ru-RU" dirty="0"/>
+              <a:t>вложений в индекс </a:t>
+            </a:r>
+            <a:r>
+              <a:rPr lang="ru-RU" dirty="0" smtClean="0"/>
+              <a:t>MCFTR</a:t>
+            </a:r>
+            <a:r>
+              <a:rPr lang="en-US" dirty="0" smtClean="0"/>
+              <a:t>*</a:t>
+            </a:r>
+            <a:r>
+              <a:rPr lang="ru-RU" dirty="0" smtClean="0"/>
+              <a:t> </a:t>
+            </a:r>
+            <a:endParaRPr lang="ru-RU" dirty="0"/>
+          </a:p>
+        </p:txBody>
+      </p:sp>
+      <p:graphicFrame>
+        <p:nvGraphicFramePr>
+          <p:cNvPr id="4" name="Объект 3"/>
+          <p:cNvGraphicFramePr>
+            <a:graphicFrameLocks noGrp="1"/>
+          </p:cNvGraphicFramePr>
+          <p:nvPr>
+            <p:ph idx="1"/>
+            <p:extLst>
+              <p:ext uri="{D42A27DB-BD31-4B8C-83A1-F6EECF244321}">
+                <p14:modId xmlns:p14="http://schemas.microsoft.com/office/powerpoint/2010/main" val="2438853659"/>
+              </p:ext>
+            </p:extLst>
+          </p:nvPr>
+        </p:nvGraphicFramePr>
+        <p:xfrm>
+          <a:off x="1068879" y="1616234"/>
+          <a:ext cx="3886200" cy="2476500"/>
+        </p:xfrm>
+        <a:graphic>
+          <a:graphicData uri="http://schemas.openxmlformats.org/drawingml/2006/table">
+            <a:tbl>
+              <a:tblPr>
+                <a:tableStyleId>{5C22544A-7EE6-4342-B048-85BDC9FD1C3A}</a:tableStyleId>
+              </a:tblPr>
+              <a:tblGrid>
+                <a:gridCol w="675172">
+                  <a:extLst>
+                    <a:ext uri="{9D8B030D-6E8A-4147-A177-3AD203B41FA5}">
+                      <a16:colId xmlns:a16="http://schemas.microsoft.com/office/drawing/2014/main" val="361373461"/>
+                    </a:ext>
+                  </a:extLst>
+                </a:gridCol>
+                <a:gridCol w="675172">
+                  <a:extLst>
+                    <a:ext uri="{9D8B030D-6E8A-4147-A177-3AD203B41FA5}">
+                      <a16:colId xmlns:a16="http://schemas.microsoft.com/office/drawing/2014/main" val="3777249545"/>
+                    </a:ext>
+                  </a:extLst>
+                </a:gridCol>
+                <a:gridCol w="2535856">
+                  <a:extLst>
+                    <a:ext uri="{9D8B030D-6E8A-4147-A177-3AD203B41FA5}">
+                      <a16:colId xmlns:a16="http://schemas.microsoft.com/office/drawing/2014/main" val="2925061603"/>
+                    </a:ext>
+                  </a:extLst>
+                </a:gridCol>
+              </a:tblGrid>
+              <a:tr h="190500">
+                <a:tc>
+                  <a:txBody>
+                    <a:bodyPr/>
+                    <a:lstStyle/>
+                    <a:p>
+                      <a:pPr algn="l" fontAlgn="b"/>
+                      <a:r>
+                        <a:rPr lang="ru-RU" sz="1100" u="none" strike="noStrike">
+                          <a:effectLst/>
+                        </a:rPr>
+                        <a:t>НАЧАЛО</a:t>
+                      </a:r>
+                      <a:endParaRPr lang="ru-RU" sz="1100" b="0" i="0" u="none" strike="noStrike">
+                        <a:solidFill>
+                          <a:srgbClr val="000000"/>
+                        </a:solidFill>
+                        <a:effectLst/>
+                        <a:latin typeface="Calibri" panose="020F0502020204030204" pitchFamily="34" charset="0"/>
+                      </a:endParaRPr>
+                    </a:p>
+                  </a:txBody>
+                  <a:tcPr marL="9525" marR="9525" marT="9525" marB="0" anchor="b"/>
+                </a:tc>
+                <a:tc>
+                  <a:txBody>
+                    <a:bodyPr/>
+                    <a:lstStyle/>
+                    <a:p>
+                      <a:pPr algn="l" fontAlgn="b"/>
+                      <a:r>
+                        <a:rPr lang="ru-RU" sz="1100" u="none" strike="noStrike">
+                          <a:effectLst/>
+                        </a:rPr>
+                        <a:t>КОНЕЦ</a:t>
+                      </a:r>
+                      <a:endParaRPr lang="ru-RU" sz="1100" b="0" i="0" u="none" strike="noStrike">
+                        <a:solidFill>
+                          <a:srgbClr val="000000"/>
+                        </a:solidFill>
+                        <a:effectLst/>
+                        <a:latin typeface="Calibri" panose="020F0502020204030204" pitchFamily="34" charset="0"/>
+                      </a:endParaRPr>
+                    </a:p>
+                  </a:txBody>
+                  <a:tcPr marL="9525" marR="9525" marT="9525" marB="0" anchor="b"/>
+                </a:tc>
+                <a:tc>
+                  <a:txBody>
+                    <a:bodyPr/>
+                    <a:lstStyle/>
+                    <a:p>
+                      <a:pPr algn="l" fontAlgn="b"/>
+                      <a:r>
+                        <a:rPr lang="ru-RU" sz="1100" u="none" strike="noStrike">
+                          <a:effectLst/>
+                        </a:rPr>
+                        <a:t>КОЭФФ_РОСТА_С_УЧЁТОМ_ИНФЛЯЦИИ</a:t>
+                      </a:r>
+                      <a:endParaRPr lang="ru-RU" sz="1100" b="0" i="0" u="none" strike="noStrike">
+                        <a:solidFill>
+                          <a:srgbClr val="000000"/>
+                        </a:solidFill>
+                        <a:effectLst/>
+                        <a:latin typeface="Calibri" panose="020F0502020204030204" pitchFamily="34" charset="0"/>
+                      </a:endParaRPr>
+                    </a:p>
+                  </a:txBody>
+                  <a:tcPr marL="9525" marR="9525" marT="9525" marB="0" anchor="b"/>
+                </a:tc>
+                <a:extLst>
+                  <a:ext uri="{0D108BD9-81ED-4DB2-BD59-A6C34878D82A}">
+                    <a16:rowId xmlns:a16="http://schemas.microsoft.com/office/drawing/2014/main" val="2158209874"/>
+                  </a:ext>
+                </a:extLst>
+              </a:tr>
+              <a:tr h="190500">
+                <a:tc>
+                  <a:txBody>
+                    <a:bodyPr/>
+                    <a:lstStyle/>
+                    <a:p>
+                      <a:pPr algn="l" fontAlgn="b"/>
+                      <a:r>
+                        <a:rPr lang="ru-RU" sz="1100" u="none" strike="noStrike">
+                          <a:effectLst/>
+                        </a:rPr>
+                        <a:t>01.01.2021</a:t>
+                      </a:r>
+                      <a:endParaRPr lang="ru-RU" sz="1100" b="0" i="0" u="none" strike="noStrike">
+                        <a:solidFill>
+                          <a:srgbClr val="000000"/>
+                        </a:solidFill>
+                        <a:effectLst/>
+                        <a:latin typeface="Calibri" panose="020F0502020204030204" pitchFamily="34" charset="0"/>
+                      </a:endParaRPr>
+                    </a:p>
+                  </a:txBody>
+                  <a:tcPr marL="9525" marR="9525" marT="9525" marB="0" anchor="b"/>
+                </a:tc>
+                <a:tc>
+                  <a:txBody>
+                    <a:bodyPr/>
+                    <a:lstStyle/>
+                    <a:p>
+                      <a:pPr algn="l" fontAlgn="b"/>
+                      <a:r>
+                        <a:rPr lang="ru-RU" sz="1100" u="none" strike="noStrike">
+                          <a:effectLst/>
+                        </a:rPr>
+                        <a:t>01.01.2022</a:t>
+                      </a:r>
+                      <a:endParaRPr lang="ru-RU" sz="1100" b="0" i="0" u="none" strike="noStrike">
+                        <a:solidFill>
+                          <a:srgbClr val="000000"/>
+                        </a:solidFill>
+                        <a:effectLst/>
+                        <a:latin typeface="Calibri" panose="020F0502020204030204" pitchFamily="34" charset="0"/>
+                      </a:endParaRPr>
+                    </a:p>
+                  </a:txBody>
+                  <a:tcPr marL="9525" marR="9525" marT="9525" marB="0" anchor="b"/>
+                </a:tc>
+                <a:tc>
+                  <a:txBody>
+                    <a:bodyPr/>
+                    <a:lstStyle/>
+                    <a:p>
+                      <a:pPr algn="r" fontAlgn="b"/>
+                      <a:r>
+                        <a:rPr lang="ru-RU" sz="1100" u="none" strike="noStrike">
+                          <a:effectLst/>
+                        </a:rPr>
+                        <a:t>1,123616</a:t>
+                      </a:r>
+                      <a:endParaRPr lang="ru-RU" sz="1100" b="0" i="0" u="none" strike="noStrike">
+                        <a:solidFill>
+                          <a:srgbClr val="000000"/>
+                        </a:solidFill>
+                        <a:effectLst/>
+                        <a:latin typeface="Dialog"/>
+                      </a:endParaRPr>
+                    </a:p>
+                  </a:txBody>
+                  <a:tcPr marL="9525" marR="9525" marT="9525" marB="0" anchor="b"/>
+                </a:tc>
+                <a:extLst>
+                  <a:ext uri="{0D108BD9-81ED-4DB2-BD59-A6C34878D82A}">
+                    <a16:rowId xmlns:a16="http://schemas.microsoft.com/office/drawing/2014/main" val="2095796833"/>
+                  </a:ext>
+                </a:extLst>
+              </a:tr>
+              <a:tr h="190500">
+                <a:tc>
+                  <a:txBody>
+                    <a:bodyPr/>
+                    <a:lstStyle/>
+                    <a:p>
+                      <a:pPr algn="l" fontAlgn="b"/>
+                      <a:r>
+                        <a:rPr lang="ru-RU" sz="1100" u="none" strike="noStrike">
+                          <a:effectLst/>
+                        </a:rPr>
+                        <a:t>01.01.2020</a:t>
+                      </a:r>
+                      <a:endParaRPr lang="ru-RU" sz="1100" b="0" i="0" u="none" strike="noStrike">
+                        <a:solidFill>
+                          <a:srgbClr val="000000"/>
+                        </a:solidFill>
+                        <a:effectLst/>
+                        <a:latin typeface="Calibri" panose="020F0502020204030204" pitchFamily="34" charset="0"/>
+                      </a:endParaRPr>
+                    </a:p>
+                  </a:txBody>
+                  <a:tcPr marL="9525" marR="9525" marT="9525" marB="0" anchor="b"/>
+                </a:tc>
+                <a:tc>
+                  <a:txBody>
+                    <a:bodyPr/>
+                    <a:lstStyle/>
+                    <a:p>
+                      <a:pPr algn="l" fontAlgn="b"/>
+                      <a:r>
+                        <a:rPr lang="ru-RU" sz="1100" u="none" strike="noStrike">
+                          <a:effectLst/>
+                        </a:rPr>
+                        <a:t>01.01.2021</a:t>
+                      </a:r>
+                      <a:endParaRPr lang="ru-RU" sz="1100" b="0" i="0" u="none" strike="noStrike">
+                        <a:solidFill>
+                          <a:srgbClr val="000000"/>
+                        </a:solidFill>
+                        <a:effectLst/>
+                        <a:latin typeface="Calibri" panose="020F0502020204030204" pitchFamily="34" charset="0"/>
+                      </a:endParaRPr>
+                    </a:p>
+                  </a:txBody>
+                  <a:tcPr marL="9525" marR="9525" marT="9525" marB="0" anchor="b"/>
+                </a:tc>
+                <a:tc>
+                  <a:txBody>
+                    <a:bodyPr/>
+                    <a:lstStyle/>
+                    <a:p>
+                      <a:pPr algn="r" fontAlgn="b"/>
+                      <a:r>
+                        <a:rPr lang="ru-RU" sz="1100" u="none" strike="noStrike">
+                          <a:effectLst/>
+                        </a:rPr>
+                        <a:t>1,094488</a:t>
+                      </a:r>
+                      <a:endParaRPr lang="ru-RU" sz="1100" b="0" i="0" u="none" strike="noStrike">
+                        <a:solidFill>
+                          <a:srgbClr val="000000"/>
+                        </a:solidFill>
+                        <a:effectLst/>
+                        <a:latin typeface="Dialog"/>
+                      </a:endParaRPr>
+                    </a:p>
+                  </a:txBody>
+                  <a:tcPr marL="9525" marR="9525" marT="9525" marB="0" anchor="b"/>
+                </a:tc>
+                <a:extLst>
+                  <a:ext uri="{0D108BD9-81ED-4DB2-BD59-A6C34878D82A}">
+                    <a16:rowId xmlns:a16="http://schemas.microsoft.com/office/drawing/2014/main" val="1628063583"/>
+                  </a:ext>
+                </a:extLst>
+              </a:tr>
+              <a:tr h="190500">
+                <a:tc>
+                  <a:txBody>
+                    <a:bodyPr/>
+                    <a:lstStyle/>
+                    <a:p>
+                      <a:pPr algn="l" fontAlgn="b"/>
+                      <a:r>
+                        <a:rPr lang="ru-RU" sz="1100" u="none" strike="noStrike">
+                          <a:effectLst/>
+                        </a:rPr>
+                        <a:t>01.01.2019</a:t>
+                      </a:r>
+                      <a:endParaRPr lang="ru-RU" sz="1100" b="0" i="0" u="none" strike="noStrike">
+                        <a:solidFill>
+                          <a:srgbClr val="000000"/>
+                        </a:solidFill>
+                        <a:effectLst/>
+                        <a:latin typeface="Calibri" panose="020F0502020204030204" pitchFamily="34" charset="0"/>
+                      </a:endParaRPr>
+                    </a:p>
+                  </a:txBody>
+                  <a:tcPr marL="9525" marR="9525" marT="9525" marB="0" anchor="b"/>
+                </a:tc>
+                <a:tc>
+                  <a:txBody>
+                    <a:bodyPr/>
+                    <a:lstStyle/>
+                    <a:p>
+                      <a:pPr algn="l" fontAlgn="b"/>
+                      <a:r>
+                        <a:rPr lang="ru-RU" sz="1100" u="none" strike="noStrike">
+                          <a:effectLst/>
+                        </a:rPr>
+                        <a:t>01.01.2020</a:t>
+                      </a:r>
+                      <a:endParaRPr lang="ru-RU" sz="1100" b="0" i="0" u="none" strike="noStrike">
+                        <a:solidFill>
+                          <a:srgbClr val="000000"/>
+                        </a:solidFill>
+                        <a:effectLst/>
+                        <a:latin typeface="Calibri" panose="020F0502020204030204" pitchFamily="34" charset="0"/>
+                      </a:endParaRPr>
+                    </a:p>
+                  </a:txBody>
+                  <a:tcPr marL="9525" marR="9525" marT="9525" marB="0" anchor="b"/>
+                </a:tc>
+                <a:tc>
+                  <a:txBody>
+                    <a:bodyPr/>
+                    <a:lstStyle/>
+                    <a:p>
+                      <a:pPr algn="r" fontAlgn="b"/>
+                      <a:r>
+                        <a:rPr lang="ru-RU" sz="1100" u="none" strike="noStrike">
+                          <a:effectLst/>
+                        </a:rPr>
+                        <a:t>1,343578</a:t>
+                      </a:r>
+                      <a:endParaRPr lang="ru-RU" sz="1100" b="0" i="0" u="none" strike="noStrike">
+                        <a:solidFill>
+                          <a:srgbClr val="000000"/>
+                        </a:solidFill>
+                        <a:effectLst/>
+                        <a:latin typeface="Dialog"/>
+                      </a:endParaRPr>
+                    </a:p>
+                  </a:txBody>
+                  <a:tcPr marL="9525" marR="9525" marT="9525" marB="0" anchor="b"/>
+                </a:tc>
+                <a:extLst>
+                  <a:ext uri="{0D108BD9-81ED-4DB2-BD59-A6C34878D82A}">
+                    <a16:rowId xmlns:a16="http://schemas.microsoft.com/office/drawing/2014/main" val="2208658145"/>
+                  </a:ext>
+                </a:extLst>
+              </a:tr>
+              <a:tr h="190500">
+                <a:tc>
+                  <a:txBody>
+                    <a:bodyPr/>
+                    <a:lstStyle/>
+                    <a:p>
+                      <a:pPr algn="l" fontAlgn="b"/>
+                      <a:r>
+                        <a:rPr lang="ru-RU" sz="1100" u="none" strike="noStrike">
+                          <a:effectLst/>
+                        </a:rPr>
+                        <a:t>01.01.2018</a:t>
+                      </a:r>
+                      <a:endParaRPr lang="ru-RU" sz="1100" b="0" i="0" u="none" strike="noStrike">
+                        <a:solidFill>
+                          <a:srgbClr val="000000"/>
+                        </a:solidFill>
+                        <a:effectLst/>
+                        <a:latin typeface="Calibri" panose="020F0502020204030204" pitchFamily="34" charset="0"/>
+                      </a:endParaRPr>
+                    </a:p>
+                  </a:txBody>
+                  <a:tcPr marL="9525" marR="9525" marT="9525" marB="0" anchor="b"/>
+                </a:tc>
+                <a:tc>
+                  <a:txBody>
+                    <a:bodyPr/>
+                    <a:lstStyle/>
+                    <a:p>
+                      <a:pPr algn="l" fontAlgn="b"/>
+                      <a:r>
+                        <a:rPr lang="ru-RU" sz="1100" u="none" strike="noStrike">
+                          <a:effectLst/>
+                        </a:rPr>
+                        <a:t>01.01.2019</a:t>
+                      </a:r>
+                      <a:endParaRPr lang="ru-RU" sz="1100" b="0" i="0" u="none" strike="noStrike">
+                        <a:solidFill>
+                          <a:srgbClr val="000000"/>
+                        </a:solidFill>
+                        <a:effectLst/>
+                        <a:latin typeface="Calibri" panose="020F0502020204030204" pitchFamily="34" charset="0"/>
+                      </a:endParaRPr>
+                    </a:p>
+                  </a:txBody>
+                  <a:tcPr marL="9525" marR="9525" marT="9525" marB="0" anchor="b"/>
+                </a:tc>
+                <a:tc>
+                  <a:txBody>
+                    <a:bodyPr/>
+                    <a:lstStyle/>
+                    <a:p>
+                      <a:pPr algn="r" fontAlgn="b"/>
+                      <a:r>
+                        <a:rPr lang="ru-RU" sz="1100" u="none" strike="noStrike">
+                          <a:effectLst/>
+                        </a:rPr>
+                        <a:t>1,142099</a:t>
+                      </a:r>
+                      <a:endParaRPr lang="ru-RU" sz="1100" b="0" i="0" u="none" strike="noStrike">
+                        <a:solidFill>
+                          <a:srgbClr val="000000"/>
+                        </a:solidFill>
+                        <a:effectLst/>
+                        <a:latin typeface="Dialog"/>
+                      </a:endParaRPr>
+                    </a:p>
+                  </a:txBody>
+                  <a:tcPr marL="9525" marR="9525" marT="9525" marB="0" anchor="b"/>
+                </a:tc>
+                <a:extLst>
+                  <a:ext uri="{0D108BD9-81ED-4DB2-BD59-A6C34878D82A}">
+                    <a16:rowId xmlns:a16="http://schemas.microsoft.com/office/drawing/2014/main" val="1714164291"/>
+                  </a:ext>
+                </a:extLst>
+              </a:tr>
+              <a:tr h="190500">
+                <a:tc>
+                  <a:txBody>
+                    <a:bodyPr/>
+                    <a:lstStyle/>
+                    <a:p>
+                      <a:pPr algn="l" fontAlgn="b"/>
+                      <a:r>
+                        <a:rPr lang="ru-RU" sz="1100" u="none" strike="noStrike">
+                          <a:effectLst/>
+                        </a:rPr>
+                        <a:t>01.01.2017</a:t>
+                      </a:r>
+                      <a:endParaRPr lang="ru-RU" sz="1100" b="0" i="0" u="none" strike="noStrike">
+                        <a:solidFill>
+                          <a:srgbClr val="000000"/>
+                        </a:solidFill>
+                        <a:effectLst/>
+                        <a:latin typeface="Calibri" panose="020F0502020204030204" pitchFamily="34" charset="0"/>
+                      </a:endParaRPr>
+                    </a:p>
+                  </a:txBody>
+                  <a:tcPr marL="9525" marR="9525" marT="9525" marB="0" anchor="b"/>
+                </a:tc>
+                <a:tc>
+                  <a:txBody>
+                    <a:bodyPr/>
+                    <a:lstStyle/>
+                    <a:p>
+                      <a:pPr algn="l" fontAlgn="b"/>
+                      <a:r>
+                        <a:rPr lang="ru-RU" sz="1100" u="none" strike="noStrike">
+                          <a:effectLst/>
+                        </a:rPr>
+                        <a:t>01.01.2018</a:t>
+                      </a:r>
+                      <a:endParaRPr lang="ru-RU" sz="1100" b="0" i="0" u="none" strike="noStrike">
+                        <a:solidFill>
+                          <a:srgbClr val="000000"/>
+                        </a:solidFill>
+                        <a:effectLst/>
+                        <a:latin typeface="Calibri" panose="020F0502020204030204" pitchFamily="34" charset="0"/>
+                      </a:endParaRPr>
+                    </a:p>
+                  </a:txBody>
+                  <a:tcPr marL="9525" marR="9525" marT="9525" marB="0" anchor="b"/>
+                </a:tc>
+                <a:tc>
+                  <a:txBody>
+                    <a:bodyPr/>
+                    <a:lstStyle/>
+                    <a:p>
+                      <a:pPr algn="r" fontAlgn="b"/>
+                      <a:r>
+                        <a:rPr lang="ru-RU" sz="1100" u="none" strike="noStrike">
+                          <a:effectLst/>
+                        </a:rPr>
+                        <a:t>0,973574</a:t>
+                      </a:r>
+                      <a:endParaRPr lang="ru-RU" sz="1100" b="0" i="0" u="none" strike="noStrike">
+                        <a:solidFill>
+                          <a:srgbClr val="000000"/>
+                        </a:solidFill>
+                        <a:effectLst/>
+                        <a:latin typeface="Dialog"/>
+                      </a:endParaRPr>
+                    </a:p>
+                  </a:txBody>
+                  <a:tcPr marL="9525" marR="9525" marT="9525" marB="0" anchor="b"/>
+                </a:tc>
+                <a:extLst>
+                  <a:ext uri="{0D108BD9-81ED-4DB2-BD59-A6C34878D82A}">
+                    <a16:rowId xmlns:a16="http://schemas.microsoft.com/office/drawing/2014/main" val="4210648650"/>
+                  </a:ext>
+                </a:extLst>
+              </a:tr>
+              <a:tr h="190500">
+                <a:tc>
+                  <a:txBody>
+                    <a:bodyPr/>
+                    <a:lstStyle/>
+                    <a:p>
+                      <a:pPr algn="l" fontAlgn="b"/>
+                      <a:r>
+                        <a:rPr lang="ru-RU" sz="1100" u="none" strike="noStrike">
+                          <a:effectLst/>
+                        </a:rPr>
+                        <a:t>01.01.2016</a:t>
+                      </a:r>
+                      <a:endParaRPr lang="ru-RU" sz="1100" b="0" i="0" u="none" strike="noStrike">
+                        <a:solidFill>
+                          <a:srgbClr val="000000"/>
+                        </a:solidFill>
+                        <a:effectLst/>
+                        <a:latin typeface="Calibri" panose="020F0502020204030204" pitchFamily="34" charset="0"/>
+                      </a:endParaRPr>
+                    </a:p>
+                  </a:txBody>
+                  <a:tcPr marL="9525" marR="9525" marT="9525" marB="0" anchor="b"/>
+                </a:tc>
+                <a:tc>
+                  <a:txBody>
+                    <a:bodyPr/>
+                    <a:lstStyle/>
+                    <a:p>
+                      <a:pPr algn="l" fontAlgn="b"/>
+                      <a:r>
+                        <a:rPr lang="ru-RU" sz="1100" u="none" strike="noStrike">
+                          <a:effectLst/>
+                        </a:rPr>
+                        <a:t>01.01.2017</a:t>
+                      </a:r>
+                      <a:endParaRPr lang="ru-RU" sz="1100" b="0" i="0" u="none" strike="noStrike">
+                        <a:solidFill>
+                          <a:srgbClr val="000000"/>
+                        </a:solidFill>
+                        <a:effectLst/>
+                        <a:latin typeface="Calibri" panose="020F0502020204030204" pitchFamily="34" charset="0"/>
+                      </a:endParaRPr>
+                    </a:p>
+                  </a:txBody>
+                  <a:tcPr marL="9525" marR="9525" marT="9525" marB="0" anchor="b"/>
+                </a:tc>
+                <a:tc>
+                  <a:txBody>
+                    <a:bodyPr/>
+                    <a:lstStyle/>
+                    <a:p>
+                      <a:pPr algn="r" fontAlgn="b"/>
+                      <a:r>
+                        <a:rPr lang="ru-RU" sz="1100" u="none" strike="noStrike" dirty="0">
+                          <a:effectLst/>
+                        </a:rPr>
+                        <a:t>1,260073</a:t>
+                      </a:r>
+                      <a:endParaRPr lang="ru-RU" sz="1100" b="0" i="0" u="none" strike="noStrike" dirty="0">
+                        <a:solidFill>
+                          <a:srgbClr val="000000"/>
+                        </a:solidFill>
+                        <a:effectLst/>
+                        <a:latin typeface="Dialog"/>
+                      </a:endParaRPr>
+                    </a:p>
+                  </a:txBody>
+                  <a:tcPr marL="9525" marR="9525" marT="9525" marB="0" anchor="b"/>
+                </a:tc>
+                <a:extLst>
+                  <a:ext uri="{0D108BD9-81ED-4DB2-BD59-A6C34878D82A}">
+                    <a16:rowId xmlns:a16="http://schemas.microsoft.com/office/drawing/2014/main" val="253972664"/>
+                  </a:ext>
+                </a:extLst>
+              </a:tr>
+              <a:tr h="190500">
+                <a:tc>
+                  <a:txBody>
+                    <a:bodyPr/>
+                    <a:lstStyle/>
+                    <a:p>
+                      <a:pPr algn="l" fontAlgn="b"/>
+                      <a:r>
+                        <a:rPr lang="ru-RU" sz="1100" u="none" strike="noStrike">
+                          <a:effectLst/>
+                        </a:rPr>
+                        <a:t>01.01.2015</a:t>
+                      </a:r>
+                      <a:endParaRPr lang="ru-RU" sz="1100" b="0" i="0" u="none" strike="noStrike">
+                        <a:solidFill>
+                          <a:srgbClr val="000000"/>
+                        </a:solidFill>
+                        <a:effectLst/>
+                        <a:latin typeface="Calibri" panose="020F0502020204030204" pitchFamily="34" charset="0"/>
+                      </a:endParaRPr>
+                    </a:p>
+                  </a:txBody>
+                  <a:tcPr marL="9525" marR="9525" marT="9525" marB="0" anchor="b"/>
+                </a:tc>
+                <a:tc>
+                  <a:txBody>
+                    <a:bodyPr/>
+                    <a:lstStyle/>
+                    <a:p>
+                      <a:pPr algn="l" fontAlgn="b"/>
+                      <a:r>
+                        <a:rPr lang="ru-RU" sz="1100" u="none" strike="noStrike">
+                          <a:effectLst/>
+                        </a:rPr>
+                        <a:t>01.01.2016</a:t>
+                      </a:r>
+                      <a:endParaRPr lang="ru-RU" sz="1100" b="0" i="0" u="none" strike="noStrike">
+                        <a:solidFill>
+                          <a:srgbClr val="000000"/>
+                        </a:solidFill>
+                        <a:effectLst/>
+                        <a:latin typeface="Calibri" panose="020F0502020204030204" pitchFamily="34" charset="0"/>
+                      </a:endParaRPr>
+                    </a:p>
+                  </a:txBody>
+                  <a:tcPr marL="9525" marR="9525" marT="9525" marB="0" anchor="b"/>
+                </a:tc>
+                <a:tc>
+                  <a:txBody>
+                    <a:bodyPr/>
+                    <a:lstStyle/>
+                    <a:p>
+                      <a:pPr algn="r" fontAlgn="b"/>
+                      <a:r>
+                        <a:rPr lang="ru-RU" sz="1100" u="none" strike="noStrike">
+                          <a:effectLst/>
+                        </a:rPr>
+                        <a:t>1,17153</a:t>
+                      </a:r>
+                      <a:endParaRPr lang="ru-RU" sz="1100" b="0" i="0" u="none" strike="noStrike">
+                        <a:solidFill>
+                          <a:srgbClr val="000000"/>
+                        </a:solidFill>
+                        <a:effectLst/>
+                        <a:latin typeface="Dialog"/>
+                      </a:endParaRPr>
+                    </a:p>
+                  </a:txBody>
+                  <a:tcPr marL="9525" marR="9525" marT="9525" marB="0" anchor="b"/>
+                </a:tc>
+                <a:extLst>
+                  <a:ext uri="{0D108BD9-81ED-4DB2-BD59-A6C34878D82A}">
+                    <a16:rowId xmlns:a16="http://schemas.microsoft.com/office/drawing/2014/main" val="1097428616"/>
+                  </a:ext>
+                </a:extLst>
+              </a:tr>
+              <a:tr h="190500">
+                <a:tc>
+                  <a:txBody>
+                    <a:bodyPr/>
+                    <a:lstStyle/>
+                    <a:p>
+                      <a:pPr algn="l" fontAlgn="b"/>
+                      <a:r>
+                        <a:rPr lang="ru-RU" sz="1100" u="none" strike="noStrike">
+                          <a:effectLst/>
+                        </a:rPr>
+                        <a:t>01.01.2014</a:t>
+                      </a:r>
+                      <a:endParaRPr lang="ru-RU" sz="1100" b="0" i="0" u="none" strike="noStrike">
+                        <a:solidFill>
+                          <a:srgbClr val="000000"/>
+                        </a:solidFill>
+                        <a:effectLst/>
+                        <a:latin typeface="Calibri" panose="020F0502020204030204" pitchFamily="34" charset="0"/>
+                      </a:endParaRPr>
+                    </a:p>
+                  </a:txBody>
+                  <a:tcPr marL="9525" marR="9525" marT="9525" marB="0" anchor="b"/>
+                </a:tc>
+                <a:tc>
+                  <a:txBody>
+                    <a:bodyPr/>
+                    <a:lstStyle/>
+                    <a:p>
+                      <a:pPr algn="l" fontAlgn="b"/>
+                      <a:r>
+                        <a:rPr lang="ru-RU" sz="1100" u="none" strike="noStrike">
+                          <a:effectLst/>
+                        </a:rPr>
+                        <a:t>01.01.2015</a:t>
+                      </a:r>
+                      <a:endParaRPr lang="ru-RU" sz="1100" b="0" i="0" u="none" strike="noStrike">
+                        <a:solidFill>
+                          <a:srgbClr val="000000"/>
+                        </a:solidFill>
+                        <a:effectLst/>
+                        <a:latin typeface="Calibri" panose="020F0502020204030204" pitchFamily="34" charset="0"/>
+                      </a:endParaRPr>
+                    </a:p>
+                  </a:txBody>
+                  <a:tcPr marL="9525" marR="9525" marT="9525" marB="0" anchor="b"/>
+                </a:tc>
+                <a:tc>
+                  <a:txBody>
+                    <a:bodyPr/>
+                    <a:lstStyle/>
+                    <a:p>
+                      <a:pPr algn="r" fontAlgn="b"/>
+                      <a:r>
+                        <a:rPr lang="ru-RU" sz="1100" u="none" strike="noStrike">
+                          <a:effectLst/>
+                        </a:rPr>
+                        <a:t>0,881408</a:t>
+                      </a:r>
+                      <a:endParaRPr lang="ru-RU" sz="1100" b="0" i="0" u="none" strike="noStrike">
+                        <a:solidFill>
+                          <a:srgbClr val="000000"/>
+                        </a:solidFill>
+                        <a:effectLst/>
+                        <a:latin typeface="Dialog"/>
+                      </a:endParaRPr>
+                    </a:p>
+                  </a:txBody>
+                  <a:tcPr marL="9525" marR="9525" marT="9525" marB="0" anchor="b"/>
+                </a:tc>
+                <a:extLst>
+                  <a:ext uri="{0D108BD9-81ED-4DB2-BD59-A6C34878D82A}">
+                    <a16:rowId xmlns:a16="http://schemas.microsoft.com/office/drawing/2014/main" val="2400919846"/>
+                  </a:ext>
+                </a:extLst>
+              </a:tr>
+              <a:tr h="190500">
+                <a:tc>
+                  <a:txBody>
+                    <a:bodyPr/>
+                    <a:lstStyle/>
+                    <a:p>
+                      <a:pPr algn="l" fontAlgn="b"/>
+                      <a:r>
+                        <a:rPr lang="ru-RU" sz="1100" u="none" strike="noStrike">
+                          <a:effectLst/>
+                        </a:rPr>
+                        <a:t>01.01.2013</a:t>
+                      </a:r>
+                      <a:endParaRPr lang="ru-RU" sz="1100" b="0" i="0" u="none" strike="noStrike">
+                        <a:solidFill>
+                          <a:srgbClr val="000000"/>
+                        </a:solidFill>
+                        <a:effectLst/>
+                        <a:latin typeface="Calibri" panose="020F0502020204030204" pitchFamily="34" charset="0"/>
+                      </a:endParaRPr>
+                    </a:p>
+                  </a:txBody>
+                  <a:tcPr marL="9525" marR="9525" marT="9525" marB="0" anchor="b"/>
+                </a:tc>
+                <a:tc>
+                  <a:txBody>
+                    <a:bodyPr/>
+                    <a:lstStyle/>
+                    <a:p>
+                      <a:pPr algn="l" fontAlgn="b"/>
+                      <a:r>
+                        <a:rPr lang="ru-RU" sz="1100" u="none" strike="noStrike">
+                          <a:effectLst/>
+                        </a:rPr>
+                        <a:t>01.01.2014</a:t>
+                      </a:r>
+                      <a:endParaRPr lang="ru-RU" sz="1100" b="0" i="0" u="none" strike="noStrike">
+                        <a:solidFill>
+                          <a:srgbClr val="000000"/>
+                        </a:solidFill>
+                        <a:effectLst/>
+                        <a:latin typeface="Calibri" panose="020F0502020204030204" pitchFamily="34" charset="0"/>
+                      </a:endParaRPr>
+                    </a:p>
+                  </a:txBody>
+                  <a:tcPr marL="9525" marR="9525" marT="9525" marB="0" anchor="b"/>
+                </a:tc>
+                <a:tc>
+                  <a:txBody>
+                    <a:bodyPr/>
+                    <a:lstStyle/>
+                    <a:p>
+                      <a:pPr algn="r" fontAlgn="b"/>
+                      <a:r>
+                        <a:rPr lang="ru-RU" sz="1100" u="none" strike="noStrike">
+                          <a:effectLst/>
+                        </a:rPr>
+                        <a:t>0,998732</a:t>
+                      </a:r>
+                      <a:endParaRPr lang="ru-RU" sz="1100" b="0" i="0" u="none" strike="noStrike">
+                        <a:solidFill>
+                          <a:srgbClr val="000000"/>
+                        </a:solidFill>
+                        <a:effectLst/>
+                        <a:latin typeface="Dialog"/>
+                      </a:endParaRPr>
+                    </a:p>
+                  </a:txBody>
+                  <a:tcPr marL="9525" marR="9525" marT="9525" marB="0" anchor="b"/>
+                </a:tc>
+                <a:extLst>
+                  <a:ext uri="{0D108BD9-81ED-4DB2-BD59-A6C34878D82A}">
+                    <a16:rowId xmlns:a16="http://schemas.microsoft.com/office/drawing/2014/main" val="140895429"/>
+                  </a:ext>
+                </a:extLst>
+              </a:tr>
+              <a:tr h="190500">
+                <a:tc>
+                  <a:txBody>
+                    <a:bodyPr/>
+                    <a:lstStyle/>
+                    <a:p>
+                      <a:pPr algn="l" fontAlgn="b"/>
+                      <a:r>
+                        <a:rPr lang="ru-RU" sz="1100" u="none" strike="noStrike">
+                          <a:effectLst/>
+                        </a:rPr>
+                        <a:t>01.01.2012</a:t>
+                      </a:r>
+                      <a:endParaRPr lang="ru-RU" sz="1100" b="0" i="0" u="none" strike="noStrike">
+                        <a:solidFill>
+                          <a:srgbClr val="000000"/>
+                        </a:solidFill>
+                        <a:effectLst/>
+                        <a:latin typeface="Calibri" panose="020F0502020204030204" pitchFamily="34" charset="0"/>
+                      </a:endParaRPr>
+                    </a:p>
+                  </a:txBody>
+                  <a:tcPr marL="9525" marR="9525" marT="9525" marB="0" anchor="b"/>
+                </a:tc>
+                <a:tc>
+                  <a:txBody>
+                    <a:bodyPr/>
+                    <a:lstStyle/>
+                    <a:p>
+                      <a:pPr algn="l" fontAlgn="b"/>
+                      <a:r>
+                        <a:rPr lang="ru-RU" sz="1100" u="none" strike="noStrike">
+                          <a:effectLst/>
+                        </a:rPr>
+                        <a:t>01.01.2013</a:t>
+                      </a:r>
+                      <a:endParaRPr lang="ru-RU" sz="1100" b="0" i="0" u="none" strike="noStrike">
+                        <a:solidFill>
+                          <a:srgbClr val="000000"/>
+                        </a:solidFill>
+                        <a:effectLst/>
+                        <a:latin typeface="Calibri" panose="020F0502020204030204" pitchFamily="34" charset="0"/>
+                      </a:endParaRPr>
+                    </a:p>
+                  </a:txBody>
+                  <a:tcPr marL="9525" marR="9525" marT="9525" marB="0" anchor="b"/>
+                </a:tc>
+                <a:tc>
+                  <a:txBody>
+                    <a:bodyPr/>
+                    <a:lstStyle/>
+                    <a:p>
+                      <a:pPr algn="r" fontAlgn="b"/>
+                      <a:r>
+                        <a:rPr lang="ru-RU" sz="1100" u="none" strike="noStrike">
+                          <a:effectLst/>
+                        </a:rPr>
+                        <a:t>1,020582</a:t>
+                      </a:r>
+                      <a:endParaRPr lang="ru-RU" sz="1100" b="0" i="0" u="none" strike="noStrike">
+                        <a:solidFill>
+                          <a:srgbClr val="000000"/>
+                        </a:solidFill>
+                        <a:effectLst/>
+                        <a:latin typeface="Dialog"/>
+                      </a:endParaRPr>
+                    </a:p>
+                  </a:txBody>
+                  <a:tcPr marL="9525" marR="9525" marT="9525" marB="0" anchor="b"/>
+                </a:tc>
+                <a:extLst>
+                  <a:ext uri="{0D108BD9-81ED-4DB2-BD59-A6C34878D82A}">
+                    <a16:rowId xmlns:a16="http://schemas.microsoft.com/office/drawing/2014/main" val="4035574260"/>
+                  </a:ext>
+                </a:extLst>
+              </a:tr>
+              <a:tr h="190500">
+                <a:tc>
+                  <a:txBody>
+                    <a:bodyPr/>
+                    <a:lstStyle/>
+                    <a:p>
+                      <a:pPr algn="l" fontAlgn="b"/>
+                      <a:r>
+                        <a:rPr lang="ru-RU" sz="1100" u="none" strike="noStrike">
+                          <a:effectLst/>
+                        </a:rPr>
+                        <a:t>01.01.2011</a:t>
+                      </a:r>
+                      <a:endParaRPr lang="ru-RU" sz="1100" b="0" i="0" u="none" strike="noStrike">
+                        <a:solidFill>
+                          <a:srgbClr val="000000"/>
+                        </a:solidFill>
+                        <a:effectLst/>
+                        <a:latin typeface="Calibri" panose="020F0502020204030204" pitchFamily="34" charset="0"/>
+                      </a:endParaRPr>
+                    </a:p>
+                  </a:txBody>
+                  <a:tcPr marL="9525" marR="9525" marT="9525" marB="0" anchor="b"/>
+                </a:tc>
+                <a:tc>
+                  <a:txBody>
+                    <a:bodyPr/>
+                    <a:lstStyle/>
+                    <a:p>
+                      <a:pPr algn="l" fontAlgn="b"/>
+                      <a:r>
+                        <a:rPr lang="ru-RU" sz="1100" u="none" strike="noStrike">
+                          <a:effectLst/>
+                        </a:rPr>
+                        <a:t>01.01.2012</a:t>
+                      </a:r>
+                      <a:endParaRPr lang="ru-RU" sz="1100" b="0" i="0" u="none" strike="noStrike">
+                        <a:solidFill>
+                          <a:srgbClr val="000000"/>
+                        </a:solidFill>
+                        <a:effectLst/>
+                        <a:latin typeface="Calibri" panose="020F0502020204030204" pitchFamily="34" charset="0"/>
+                      </a:endParaRPr>
+                    </a:p>
+                  </a:txBody>
+                  <a:tcPr marL="9525" marR="9525" marT="9525" marB="0" anchor="b"/>
+                </a:tc>
+                <a:tc>
+                  <a:txBody>
+                    <a:bodyPr/>
+                    <a:lstStyle/>
+                    <a:p>
+                      <a:pPr algn="r" fontAlgn="b"/>
+                      <a:r>
+                        <a:rPr lang="ru-RU" sz="1100" u="none" strike="noStrike">
+                          <a:effectLst/>
+                        </a:rPr>
+                        <a:t>0,806259</a:t>
+                      </a:r>
+                      <a:endParaRPr lang="ru-RU" sz="1100" b="0" i="0" u="none" strike="noStrike">
+                        <a:solidFill>
+                          <a:srgbClr val="000000"/>
+                        </a:solidFill>
+                        <a:effectLst/>
+                        <a:latin typeface="Dialog"/>
+                      </a:endParaRPr>
+                    </a:p>
+                  </a:txBody>
+                  <a:tcPr marL="9525" marR="9525" marT="9525" marB="0" anchor="b"/>
+                </a:tc>
+                <a:extLst>
+                  <a:ext uri="{0D108BD9-81ED-4DB2-BD59-A6C34878D82A}">
+                    <a16:rowId xmlns:a16="http://schemas.microsoft.com/office/drawing/2014/main" val="556431015"/>
+                  </a:ext>
+                </a:extLst>
+              </a:tr>
+              <a:tr h="190500">
+                <a:tc>
+                  <a:txBody>
+                    <a:bodyPr/>
+                    <a:lstStyle/>
+                    <a:p>
+                      <a:pPr algn="l" fontAlgn="b"/>
+                      <a:r>
+                        <a:rPr lang="ru-RU" sz="1100" u="none" strike="noStrike">
+                          <a:effectLst/>
+                        </a:rPr>
+                        <a:t>01.01.2010</a:t>
+                      </a:r>
+                      <a:endParaRPr lang="ru-RU" sz="1100" b="0" i="0" u="none" strike="noStrike">
+                        <a:solidFill>
+                          <a:srgbClr val="000000"/>
+                        </a:solidFill>
+                        <a:effectLst/>
+                        <a:latin typeface="Calibri" panose="020F0502020204030204" pitchFamily="34" charset="0"/>
+                      </a:endParaRPr>
+                    </a:p>
+                  </a:txBody>
+                  <a:tcPr marL="9525" marR="9525" marT="9525" marB="0" anchor="b"/>
+                </a:tc>
+                <a:tc>
+                  <a:txBody>
+                    <a:bodyPr/>
+                    <a:lstStyle/>
+                    <a:p>
+                      <a:pPr algn="l" fontAlgn="b"/>
+                      <a:r>
+                        <a:rPr lang="ru-RU" sz="1100" u="none" strike="noStrike">
+                          <a:effectLst/>
+                        </a:rPr>
+                        <a:t>01.01.2011</a:t>
+                      </a:r>
+                      <a:endParaRPr lang="ru-RU" sz="1100" b="0" i="0" u="none" strike="noStrike">
+                        <a:solidFill>
+                          <a:srgbClr val="000000"/>
+                        </a:solidFill>
+                        <a:effectLst/>
+                        <a:latin typeface="Calibri" panose="020F0502020204030204" pitchFamily="34" charset="0"/>
+                      </a:endParaRPr>
+                    </a:p>
+                  </a:txBody>
+                  <a:tcPr marL="9525" marR="9525" marT="9525" marB="0" anchor="b"/>
+                </a:tc>
+                <a:tc>
+                  <a:txBody>
+                    <a:bodyPr/>
+                    <a:lstStyle/>
+                    <a:p>
+                      <a:pPr algn="r" fontAlgn="b"/>
+                      <a:r>
+                        <a:rPr lang="ru-RU" sz="1100" u="none" strike="noStrike" dirty="0">
+                          <a:effectLst/>
+                        </a:rPr>
+                        <a:t>1,151762</a:t>
+                      </a:r>
+                      <a:endParaRPr lang="ru-RU" sz="1100" b="0" i="0" u="none" strike="noStrike" dirty="0">
+                        <a:solidFill>
+                          <a:srgbClr val="000000"/>
+                        </a:solidFill>
+                        <a:effectLst/>
+                        <a:latin typeface="Dialog"/>
+                      </a:endParaRPr>
+                    </a:p>
+                  </a:txBody>
+                  <a:tcPr marL="9525" marR="9525" marT="9525" marB="0" anchor="b"/>
+                </a:tc>
+                <a:extLst>
+                  <a:ext uri="{0D108BD9-81ED-4DB2-BD59-A6C34878D82A}">
+                    <a16:rowId xmlns:a16="http://schemas.microsoft.com/office/drawing/2014/main" val="2921197942"/>
+                  </a:ext>
+                </a:extLst>
+              </a:tr>
+            </a:tbl>
+          </a:graphicData>
+        </a:graphic>
+      </p:graphicFrame>
+      <p:graphicFrame>
+        <p:nvGraphicFramePr>
+          <p:cNvPr id="7" name="Диаграмма 6"/>
+          <p:cNvGraphicFramePr>
+            <a:graphicFrameLocks/>
+          </p:cNvGraphicFramePr>
+          <p:nvPr>
+            <p:extLst>
+              <p:ext uri="{D42A27DB-BD31-4B8C-83A1-F6EECF244321}">
+                <p14:modId xmlns:p14="http://schemas.microsoft.com/office/powerpoint/2010/main" val="874635952"/>
+              </p:ext>
+            </p:extLst>
+          </p:nvPr>
+        </p:nvGraphicFramePr>
+        <p:xfrm>
+          <a:off x="5239789" y="1482884"/>
+          <a:ext cx="4572000" cy="2743200"/>
+        </p:xfrm>
+        <a:graphic>
+          <a:graphicData uri="http://schemas.openxmlformats.org/drawingml/2006/chart">
+            <c:chart xmlns:c="http://schemas.openxmlformats.org/drawingml/2006/chart" xmlns:r="http://schemas.openxmlformats.org/officeDocument/2006/relationships" r:id="rId2"/>
+          </a:graphicData>
+        </a:graphic>
+      </p:graphicFrame>
+      <p:sp>
+        <p:nvSpPr>
+          <p:cNvPr id="5" name="TextBox 4"/>
+          <p:cNvSpPr txBox="1"/>
+          <p:nvPr/>
+        </p:nvSpPr>
+        <p:spPr>
+          <a:xfrm>
+            <a:off x="1147156" y="5893724"/>
+            <a:ext cx="1904689" cy="307777"/>
+          </a:xfrm>
+          <a:prstGeom prst="rect">
+            <a:avLst/>
+          </a:prstGeom>
+          <a:noFill/>
+        </p:spPr>
+        <p:txBody>
+          <a:bodyPr wrap="none" rtlCol="0">
+            <a:spAutoFit/>
+          </a:bodyPr>
+          <a:lstStyle/>
+          <a:p>
+            <a:r>
+              <a:rPr lang="ru-RU" sz="1400" dirty="0" smtClean="0"/>
+              <a:t>* Файл </a:t>
+            </a:r>
+            <a:r>
+              <a:rPr lang="en-US" sz="1400" dirty="0"/>
+              <a:t>Project_p.2.xlsx</a:t>
+            </a:r>
+            <a:endParaRPr lang="ru-RU" sz="1400" dirty="0"/>
+          </a:p>
+        </p:txBody>
+      </p:sp>
+    </p:spTree>
+    <p:extLst>
+      <p:ext uri="{BB962C8B-B14F-4D97-AF65-F5344CB8AC3E}">
+        <p14:creationId xmlns:p14="http://schemas.microsoft.com/office/powerpoint/2010/main" val="2221529107"/>
+      </p:ext>
+    </p:extLst>
+  </p:cSld>
+  <p:clrMapOvr>
+    <a:masterClrMapping/>
+  </p:clrMapOvr>
+  <p:timing>
+    <p:tnLst>
+      <p:par>
+        <p:cTn id="1" dur="indefinite" restart="never" nodeType="tmRoot"/>
+      </p:par>
+    </p:tnLst>
+  </p:timing>
+</p:sld>
+</file>
+
+<file path=ppt/slides/slide8.xml><?xml version="1.0" encoding="utf-8"?>
 <p:sld xmlns:a="http://schemas.openxmlformats.org/drawingml/2006/main" xmlns:r="http://schemas.openxmlformats.org/officeDocument/2006/relationships" xmlns:p="http://schemas.openxmlformats.org/presentationml/2006/main">
   <p:cSld>
     <p:spTree>
@@ -22123,7 +24270,7 @@
 </p:sld>
 </file>
 
-<file path=ppt/slides/slide8.xml><?xml version="1.0" encoding="utf-8"?>
+<file path=ppt/slides/slide9.xml><?xml version="1.0" encoding="utf-8"?>
 <p:sld xmlns:a="http://schemas.openxmlformats.org/drawingml/2006/main" xmlns:r="http://schemas.openxmlformats.org/officeDocument/2006/relationships" xmlns:p="http://schemas.openxmlformats.org/presentationml/2006/main">
   <p:cSld>
     <p:spTree>
